--- a/Statistical Learning.pptx
+++ b/Statistical Learning.pptx
@@ -8,21 +8,24 @@
     <p:sldId id="256" r:id="rId2"/>
     <p:sldId id="288" r:id="rId3"/>
     <p:sldId id="257" r:id="rId4"/>
-    <p:sldId id="258" r:id="rId5"/>
-    <p:sldId id="259" r:id="rId6"/>
-    <p:sldId id="272" r:id="rId7"/>
-    <p:sldId id="273" r:id="rId8"/>
+    <p:sldId id="259" r:id="rId5"/>
+    <p:sldId id="272" r:id="rId6"/>
+    <p:sldId id="273" r:id="rId7"/>
+    <p:sldId id="289" r:id="rId8"/>
     <p:sldId id="274" r:id="rId9"/>
     <p:sldId id="275" r:id="rId10"/>
-    <p:sldId id="276" r:id="rId11"/>
-    <p:sldId id="277" r:id="rId12"/>
-    <p:sldId id="278" r:id="rId13"/>
-    <p:sldId id="279" r:id="rId14"/>
-    <p:sldId id="280" r:id="rId15"/>
-    <p:sldId id="281" r:id="rId16"/>
-    <p:sldId id="282" r:id="rId17"/>
-    <p:sldId id="283" r:id="rId18"/>
-    <p:sldId id="284" r:id="rId19"/>
+    <p:sldId id="290" r:id="rId11"/>
+    <p:sldId id="276" r:id="rId12"/>
+    <p:sldId id="291" r:id="rId13"/>
+    <p:sldId id="277" r:id="rId14"/>
+    <p:sldId id="278" r:id="rId15"/>
+    <p:sldId id="279" r:id="rId16"/>
+    <p:sldId id="280" r:id="rId17"/>
+    <p:sldId id="281" r:id="rId18"/>
+    <p:sldId id="292" r:id="rId19"/>
+    <p:sldId id="282" r:id="rId20"/>
+    <p:sldId id="283" r:id="rId21"/>
+    <p:sldId id="284" r:id="rId22"/>
   </p:sldIdLst>
   <p:sldSz cx="12192000" cy="6858000"/>
   <p:notesSz cx="6858000" cy="9144000"/>
@@ -121,6 +124,11 @@
       </a:defRPr>
     </a:lvl9pPr>
   </p:defaultTextStyle>
+  <p:extLst>
+    <p:ext uri="{EFAFB233-063F-42B5-8137-9DF3F51BA10A}">
+      <p15:sldGuideLst xmlns:p15="http://schemas.microsoft.com/office/powerpoint/2012/main"/>
+    </p:ext>
+  </p:extLst>
 </p:presentation>
 </file>
 
@@ -846,7 +854,7 @@
           <a:p>
             <a:fld id="{CCB6A384-C349-4901-89C1-3E8743989BFE}" type="datetimeFigureOut">
               <a:rPr lang="en-US" smtClean="0"/>
-              <a:t>3/29/2024</a:t>
+              <a:t>4/2/2024</a:t>
             </a:fld>
             <a:endParaRPr lang="en-US"/>
           </a:p>
@@ -1097,7 +1105,7 @@
           <a:p>
             <a:fld id="{CCB6A384-C349-4901-89C1-3E8743989BFE}" type="datetimeFigureOut">
               <a:rPr lang="en-US" smtClean="0"/>
-              <a:t>3/29/2024</a:t>
+              <a:t>4/2/2024</a:t>
             </a:fld>
             <a:endParaRPr lang="en-US"/>
           </a:p>
@@ -1411,7 +1419,7 @@
           <a:p>
             <a:fld id="{CCB6A384-C349-4901-89C1-3E8743989BFE}" type="datetimeFigureOut">
               <a:rPr lang="en-US" smtClean="0"/>
-              <a:t>3/29/2024</a:t>
+              <a:t>4/2/2024</a:t>
             </a:fld>
             <a:endParaRPr lang="en-US"/>
           </a:p>
@@ -1752,7 +1760,7 @@
           <a:p>
             <a:fld id="{CCB6A384-C349-4901-89C1-3E8743989BFE}" type="datetimeFigureOut">
               <a:rPr lang="en-US" smtClean="0"/>
-              <a:t>3/29/2024</a:t>
+              <a:t>4/2/2024</a:t>
             </a:fld>
             <a:endParaRPr lang="en-US"/>
           </a:p>
@@ -2066,7 +2074,7 @@
           <a:p>
             <a:fld id="{CCB6A384-C349-4901-89C1-3E8743989BFE}" type="datetimeFigureOut">
               <a:rPr lang="en-US" smtClean="0"/>
-              <a:t>3/29/2024</a:t>
+              <a:t>4/2/2024</a:t>
             </a:fld>
             <a:endParaRPr lang="en-US"/>
           </a:p>
@@ -2459,7 +2467,7 @@
           <a:p>
             <a:fld id="{CCB6A384-C349-4901-89C1-3E8743989BFE}" type="datetimeFigureOut">
               <a:rPr lang="en-US" smtClean="0"/>
-              <a:t>3/29/2024</a:t>
+              <a:t>4/2/2024</a:t>
             </a:fld>
             <a:endParaRPr lang="en-US"/>
           </a:p>
@@ -2629,7 +2637,7 @@
           <a:p>
             <a:fld id="{CCB6A384-C349-4901-89C1-3E8743989BFE}" type="datetimeFigureOut">
               <a:rPr lang="en-US" smtClean="0"/>
-              <a:t>3/29/2024</a:t>
+              <a:t>4/2/2024</a:t>
             </a:fld>
             <a:endParaRPr lang="en-US"/>
           </a:p>
@@ -2809,7 +2817,7 @@
           <a:p>
             <a:fld id="{CCB6A384-C349-4901-89C1-3E8743989BFE}" type="datetimeFigureOut">
               <a:rPr lang="en-US" smtClean="0"/>
-              <a:t>3/29/2024</a:t>
+              <a:t>4/2/2024</a:t>
             </a:fld>
             <a:endParaRPr lang="en-US"/>
           </a:p>
@@ -2985,7 +2993,7 @@
           <a:p>
             <a:fld id="{CCB6A384-C349-4901-89C1-3E8743989BFE}" type="datetimeFigureOut">
               <a:rPr lang="en-US" smtClean="0"/>
-              <a:t>3/29/2024</a:t>
+              <a:t>4/2/2024</a:t>
             </a:fld>
             <a:endParaRPr lang="en-US"/>
           </a:p>
@@ -3232,7 +3240,7 @@
           <a:p>
             <a:fld id="{CCB6A384-C349-4901-89C1-3E8743989BFE}" type="datetimeFigureOut">
               <a:rPr lang="en-US" smtClean="0"/>
-              <a:t>3/29/2024</a:t>
+              <a:t>4/2/2024</a:t>
             </a:fld>
             <a:endParaRPr lang="en-US"/>
           </a:p>
@@ -3464,7 +3472,7 @@
           <a:p>
             <a:fld id="{CCB6A384-C349-4901-89C1-3E8743989BFE}" type="datetimeFigureOut">
               <a:rPr lang="en-US" smtClean="0"/>
-              <a:t>3/29/2024</a:t>
+              <a:t>4/2/2024</a:t>
             </a:fld>
             <a:endParaRPr lang="en-US"/>
           </a:p>
@@ -3838,7 +3846,7 @@
           <a:p>
             <a:fld id="{CCB6A384-C349-4901-89C1-3E8743989BFE}" type="datetimeFigureOut">
               <a:rPr lang="en-US" smtClean="0"/>
-              <a:t>3/29/2024</a:t>
+              <a:t>4/2/2024</a:t>
             </a:fld>
             <a:endParaRPr lang="en-US"/>
           </a:p>
@@ -3961,7 +3969,7 @@
           <a:p>
             <a:fld id="{CCB6A384-C349-4901-89C1-3E8743989BFE}" type="datetimeFigureOut">
               <a:rPr lang="en-US" smtClean="0"/>
-              <a:t>3/29/2024</a:t>
+              <a:t>4/2/2024</a:t>
             </a:fld>
             <a:endParaRPr lang="en-US"/>
           </a:p>
@@ -4056,7 +4064,7 @@
           <a:p>
             <a:fld id="{CCB6A384-C349-4901-89C1-3E8743989BFE}" type="datetimeFigureOut">
               <a:rPr lang="en-US" smtClean="0"/>
-              <a:t>3/29/2024</a:t>
+              <a:t>4/2/2024</a:t>
             </a:fld>
             <a:endParaRPr lang="en-US"/>
           </a:p>
@@ -4311,7 +4319,7 @@
           <a:p>
             <a:fld id="{CCB6A384-C349-4901-89C1-3E8743989BFE}" type="datetimeFigureOut">
               <a:rPr lang="en-US" smtClean="0"/>
-              <a:t>3/29/2024</a:t>
+              <a:t>4/2/2024</a:t>
             </a:fld>
             <a:endParaRPr lang="en-US"/>
           </a:p>
@@ -4574,7 +4582,7 @@
           <a:p>
             <a:fld id="{CCB6A384-C349-4901-89C1-3E8743989BFE}" type="datetimeFigureOut">
               <a:rPr lang="en-US" smtClean="0"/>
-              <a:t>3/29/2024</a:t>
+              <a:t>4/2/2024</a:t>
             </a:fld>
             <a:endParaRPr lang="en-US"/>
           </a:p>
@@ -5317,7 +5325,7 @@
           <a:p>
             <a:fld id="{CCB6A384-C349-4901-89C1-3E8743989BFE}" type="datetimeFigureOut">
               <a:rPr lang="en-US" smtClean="0"/>
-              <a:t>3/29/2024</a:t>
+              <a:t>4/2/2024</a:t>
             </a:fld>
             <a:endParaRPr lang="en-US"/>
           </a:p>
@@ -6109,6 +6117,72 @@
           <a:chExt cx="0" cy="0"/>
         </a:xfrm>
       </p:grpSpPr>
+      <p:pic>
+        <p:nvPicPr>
+          <p:cNvPr id="3" name="Picture 2">
+            <a:extLst>
+              <a:ext uri="{FF2B5EF4-FFF2-40B4-BE49-F238E27FC236}">
+                <a16:creationId xmlns:a16="http://schemas.microsoft.com/office/drawing/2014/main" id="{AB36F528-FA71-4BBC-824F-2068B49DBF42}"/>
+              </a:ext>
+            </a:extLst>
+          </p:cNvPr>
+          <p:cNvPicPr>
+            <a:picLocks noChangeAspect="1"/>
+          </p:cNvPicPr>
+          <p:nvPr/>
+        </p:nvPicPr>
+        <p:blipFill>
+          <a:blip r:embed="rId2">
+            <a:extLst>
+              <a:ext uri="{28A0092B-C50C-407E-A947-70E740481C1C}">
+                <a14:useLocalDpi xmlns:a14="http://schemas.microsoft.com/office/drawing/2010/main" val="0"/>
+              </a:ext>
+            </a:extLst>
+          </a:blip>
+          <a:stretch>
+            <a:fillRect/>
+          </a:stretch>
+        </p:blipFill>
+        <p:spPr>
+          <a:xfrm>
+            <a:off x="955353" y="0"/>
+            <a:ext cx="10281294" cy="6858000"/>
+          </a:xfrm>
+          <a:prstGeom prst="rect">
+            <a:avLst/>
+          </a:prstGeom>
+        </p:spPr>
+      </p:pic>
+    </p:spTree>
+    <p:extLst>
+      <p:ext uri="{BB962C8B-B14F-4D97-AF65-F5344CB8AC3E}">
+        <p14:creationId xmlns:p14="http://schemas.microsoft.com/office/powerpoint/2010/main" val="1568399407"/>
+      </p:ext>
+    </p:extLst>
+  </p:cSld>
+  <p:clrMapOvr>
+    <a:masterClrMapping/>
+  </p:clrMapOvr>
+</p:sld>
+</file>
+
+<file path=ppt/slides/slide11.xml><?xml version="1.0" encoding="utf-8"?>
+<p:sld xmlns:a="http://schemas.openxmlformats.org/drawingml/2006/main" xmlns:r="http://schemas.openxmlformats.org/officeDocument/2006/relationships" xmlns:p="http://schemas.openxmlformats.org/presentationml/2006/main">
+  <p:cSld>
+    <p:spTree>
+      <p:nvGrpSpPr>
+        <p:cNvPr id="1" name=""/>
+        <p:cNvGrpSpPr/>
+        <p:nvPr/>
+      </p:nvGrpSpPr>
+      <p:grpSpPr>
+        <a:xfrm>
+          <a:off x="0" y="0"/>
+          <a:ext cx="0" cy="0"/>
+          <a:chOff x="0" y="0"/>
+          <a:chExt cx="0" cy="0"/>
+        </a:xfrm>
+      </p:grpSpPr>
       <p:graphicFrame>
         <p:nvGraphicFramePr>
           <p:cNvPr id="4" name="Table 4">
@@ -6437,6 +6511,11 @@
           <a:p>
             <a:r>
               <a:rPr lang="en-US" dirty="0">
+                <a:solidFill>
+                  <a:schemeClr val="accent2">
+                    <a:lumMod val="75000"/>
+                  </a:schemeClr>
+                </a:solidFill>
                 <a:latin typeface="Segoe Print" panose="02000600000000000000" pitchFamily="2" charset="0"/>
               </a:rPr>
               <a:t>Random Forest</a:t>
@@ -6457,7 +6536,138 @@
 </p:sld>
 </file>
 
-<file path=ppt/slides/slide11.xml><?xml version="1.0" encoding="utf-8"?>
+<file path=ppt/slides/slide12.xml><?xml version="1.0" encoding="utf-8"?>
+<p:sld xmlns:a="http://schemas.openxmlformats.org/drawingml/2006/main" xmlns:r="http://schemas.openxmlformats.org/officeDocument/2006/relationships" xmlns:p="http://schemas.openxmlformats.org/presentationml/2006/main">
+  <p:cSld>
+    <p:spTree>
+      <p:nvGrpSpPr>
+        <p:cNvPr id="1" name=""/>
+        <p:cNvGrpSpPr/>
+        <p:nvPr/>
+      </p:nvGrpSpPr>
+      <p:grpSpPr>
+        <a:xfrm>
+          <a:off x="0" y="0"/>
+          <a:ext cx="0" cy="0"/>
+          <a:chOff x="0" y="0"/>
+          <a:chExt cx="0" cy="0"/>
+        </a:xfrm>
+      </p:grpSpPr>
+      <p:pic>
+        <p:nvPicPr>
+          <p:cNvPr id="3" name="Picture 2">
+            <a:extLst>
+              <a:ext uri="{FF2B5EF4-FFF2-40B4-BE49-F238E27FC236}">
+                <a16:creationId xmlns:a16="http://schemas.microsoft.com/office/drawing/2014/main" id="{D1479CFF-2036-4F6E-B54C-97E996AE4D4B}"/>
+              </a:ext>
+            </a:extLst>
+          </p:cNvPr>
+          <p:cNvPicPr>
+            <a:picLocks noChangeAspect="1"/>
+          </p:cNvPicPr>
+          <p:nvPr/>
+        </p:nvPicPr>
+        <p:blipFill>
+          <a:blip r:embed="rId2">
+            <a:extLst>
+              <a:ext uri="{28A0092B-C50C-407E-A947-70E740481C1C}">
+                <a14:useLocalDpi xmlns:a14="http://schemas.microsoft.com/office/drawing/2010/main" val="0"/>
+              </a:ext>
+            </a:extLst>
+          </a:blip>
+          <a:stretch>
+            <a:fillRect/>
+          </a:stretch>
+        </p:blipFill>
+        <p:spPr>
+          <a:xfrm>
+            <a:off x="1523897" y="2218737"/>
+            <a:ext cx="9144206" cy="2420525"/>
+          </a:xfrm>
+          <a:prstGeom prst="rect">
+            <a:avLst/>
+          </a:prstGeom>
+        </p:spPr>
+      </p:pic>
+      <p:sp>
+        <p:nvSpPr>
+          <p:cNvPr id="4" name="TextBox 3">
+            <a:extLst>
+              <a:ext uri="{FF2B5EF4-FFF2-40B4-BE49-F238E27FC236}">
+                <a16:creationId xmlns:a16="http://schemas.microsoft.com/office/drawing/2014/main" id="{1FE4526E-A55F-4C5A-8534-C63BCC3BBBD8}"/>
+              </a:ext>
+            </a:extLst>
+          </p:cNvPr>
+          <p:cNvSpPr txBox="1"/>
+          <p:nvPr/>
+        </p:nvSpPr>
+        <p:spPr>
+          <a:xfrm>
+            <a:off x="299300" y="182979"/>
+            <a:ext cx="8778711" cy="707886"/>
+          </a:xfrm>
+          <a:prstGeom prst="rect">
+            <a:avLst/>
+          </a:prstGeom>
+          <a:noFill/>
+        </p:spPr>
+        <p:txBody>
+          <a:bodyPr wrap="square">
+            <a:spAutoFit/>
+          </a:bodyPr>
+          <a:lstStyle>
+            <a:defPPr>
+              <a:defRPr lang="en-US"/>
+            </a:defPPr>
+            <a:lvl1pPr>
+              <a:defRPr sz="4000" b="0" i="0">
+                <a:solidFill>
+                  <a:srgbClr val="5F6368"/>
+                </a:solidFill>
+                <a:effectLst/>
+                <a:latin typeface="Segoe Print" panose="02000600000000000000" pitchFamily="2" charset="0"/>
+                <a:ea typeface="Cambria" panose="02040503050406030204" pitchFamily="18" charset="0"/>
+              </a:defRPr>
+            </a:lvl1pPr>
+          </a:lstStyle>
+          <a:p>
+            <a:r>
+              <a:rPr lang="en-US" dirty="0" err="1">
+                <a:solidFill>
+                  <a:schemeClr val="accent2">
+                    <a:lumMod val="75000"/>
+                  </a:schemeClr>
+                </a:solidFill>
+              </a:rPr>
+              <a:t>eXtreme</a:t>
+            </a:r>
+            <a:r>
+              <a:rPr lang="en-US" dirty="0">
+                <a:solidFill>
+                  <a:schemeClr val="accent2">
+                    <a:lumMod val="75000"/>
+                  </a:schemeClr>
+                </a:solidFill>
+              </a:rPr>
+              <a:t> Gradient Boosting</a:t>
+            </a:r>
+          </a:p>
+        </p:txBody>
+      </p:sp>
+    </p:spTree>
+    <p:extLst>
+      <p:ext uri="{BB962C8B-B14F-4D97-AF65-F5344CB8AC3E}">
+        <p14:creationId xmlns:p14="http://schemas.microsoft.com/office/powerpoint/2010/main" val="2462854540"/>
+      </p:ext>
+    </p:extLst>
+  </p:cSld>
+  <p:clrMapOvr>
+    <a:masterClrMapping/>
+  </p:clrMapOvr>
+</p:sld>
+</file>
+
+<file path=ppt/slides/slide13.xml><?xml version="1.0" encoding="utf-8"?>
 <p:sld xmlns:a="http://schemas.openxmlformats.org/drawingml/2006/main" xmlns:r="http://schemas.openxmlformats.org/officeDocument/2006/relationships" xmlns:p="http://schemas.openxmlformats.org/presentationml/2006/main">
   <p:cSld>
     <p:spTree>
@@ -6802,6 +7012,11 @@
           <a:p>
             <a:r>
               <a:rPr lang="en-US" dirty="0">
+                <a:solidFill>
+                  <a:schemeClr val="accent2">
+                    <a:lumMod val="75000"/>
+                  </a:schemeClr>
+                </a:solidFill>
                 <a:latin typeface="Segoe Print" panose="02000600000000000000" pitchFamily="2" charset="0"/>
               </a:rPr>
               <a:t>XG Boosting</a:t>
@@ -6822,7 +7037,7 @@
 </p:sld>
 </file>
 
-<file path=ppt/slides/slide12.xml><?xml version="1.0" encoding="utf-8"?>
+<file path=ppt/slides/slide14.xml><?xml version="1.0" encoding="utf-8"?>
 <p:sld xmlns:a="http://schemas.openxmlformats.org/drawingml/2006/main" xmlns:r="http://schemas.openxmlformats.org/officeDocument/2006/relationships" xmlns:p="http://schemas.openxmlformats.org/presentationml/2006/main">
   <p:cSld>
     <p:spTree>
@@ -6867,7 +7082,7 @@
         </p:blipFill>
         <p:spPr>
           <a:xfrm>
-            <a:off x="919787" y="820143"/>
+            <a:off x="2098137" y="820143"/>
             <a:ext cx="6732534" cy="5217714"/>
           </a:xfrm>
           <a:prstGeom prst="rect">
@@ -6888,7 +7103,7 @@
 </p:sld>
 </file>
 
-<file path=ppt/slides/slide13.xml><?xml version="1.0" encoding="utf-8"?>
+<file path=ppt/slides/slide15.xml><?xml version="1.0" encoding="utf-8"?>
 <p:sld xmlns:a="http://schemas.openxmlformats.org/drawingml/2006/main" xmlns:r="http://schemas.openxmlformats.org/officeDocument/2006/relationships" xmlns:p="http://schemas.openxmlformats.org/presentationml/2006/main">
   <p:cSld>
     <p:spTree>
@@ -6995,7 +7210,7 @@
 </p:sld>
 </file>
 
-<file path=ppt/slides/slide14.xml><?xml version="1.0" encoding="utf-8"?>
+<file path=ppt/slides/slide16.xml><?xml version="1.0" encoding="utf-8"?>
 <p:sld xmlns:a="http://schemas.openxmlformats.org/drawingml/2006/main" xmlns:r="http://schemas.openxmlformats.org/officeDocument/2006/relationships" xmlns:p="http://schemas.openxmlformats.org/presentationml/2006/main">
   <p:cSld>
     <p:spTree>
@@ -7043,7 +7258,9 @@
             <a:r>
               <a:rPr lang="en-US" sz="3200" b="0" i="0" dirty="0">
                 <a:solidFill>
-                  <a:srgbClr val="5F6368"/>
+                  <a:schemeClr val="accent2">
+                    <a:lumMod val="75000"/>
+                  </a:schemeClr>
                 </a:solidFill>
                 <a:effectLst/>
                 <a:latin typeface="Segoe Print" panose="02000600000000000000" pitchFamily="2" charset="0"/>
@@ -7052,6 +7269,11 @@
               <a:t>Fraud Detection</a:t>
             </a:r>
             <a:endParaRPr lang="en-US" sz="3200" dirty="0">
+              <a:solidFill>
+                <a:schemeClr val="accent2">
+                  <a:lumMod val="75000"/>
+                </a:schemeClr>
+              </a:solidFill>
               <a:latin typeface="Segoe Print" panose="02000600000000000000" pitchFamily="2" charset="0"/>
               <a:ea typeface="Cambria" panose="02040503050406030204" pitchFamily="18" charset="0"/>
             </a:endParaRPr>
@@ -7251,7 +7473,7 @@
 </p:sld>
 </file>
 
-<file path=ppt/slides/slide15.xml><?xml version="1.0" encoding="utf-8"?>
+<file path=ppt/slides/slide17.xml><?xml version="1.0" encoding="utf-8"?>
 <p:sld xmlns:a="http://schemas.openxmlformats.org/drawingml/2006/main" xmlns:r="http://schemas.openxmlformats.org/officeDocument/2006/relationships" xmlns:p="http://schemas.openxmlformats.org/presentationml/2006/main">
   <p:cSld>
     <p:spTree>
@@ -7317,7 +7539,127 @@
 </p:sld>
 </file>
 
-<file path=ppt/slides/slide16.xml><?xml version="1.0" encoding="utf-8"?>
+<file path=ppt/slides/slide18.xml><?xml version="1.0" encoding="utf-8"?>
+<p:sld xmlns:a="http://schemas.openxmlformats.org/drawingml/2006/main" xmlns:r="http://schemas.openxmlformats.org/officeDocument/2006/relationships" xmlns:p="http://schemas.openxmlformats.org/presentationml/2006/main">
+  <p:cSld>
+    <p:spTree>
+      <p:nvGrpSpPr>
+        <p:cNvPr id="1" name=""/>
+        <p:cNvGrpSpPr/>
+        <p:nvPr/>
+      </p:nvGrpSpPr>
+      <p:grpSpPr>
+        <a:xfrm>
+          <a:off x="0" y="0"/>
+          <a:ext cx="0" cy="0"/>
+          <a:chOff x="0" y="0"/>
+          <a:chExt cx="0" cy="0"/>
+        </a:xfrm>
+      </p:grpSpPr>
+      <p:pic>
+        <p:nvPicPr>
+          <p:cNvPr id="3" name="Picture 2">
+            <a:extLst>
+              <a:ext uri="{FF2B5EF4-FFF2-40B4-BE49-F238E27FC236}">
+                <a16:creationId xmlns:a16="http://schemas.microsoft.com/office/drawing/2014/main" id="{006E8B59-B761-48EE-9ED3-AB49960DCDCF}"/>
+              </a:ext>
+            </a:extLst>
+          </p:cNvPr>
+          <p:cNvPicPr>
+            <a:picLocks noChangeAspect="1"/>
+          </p:cNvPicPr>
+          <p:nvPr/>
+        </p:nvPicPr>
+        <p:blipFill rotWithShape="1">
+          <a:blip r:embed="rId2">
+            <a:extLst>
+              <a:ext uri="{28A0092B-C50C-407E-A947-70E740481C1C}">
+                <a14:useLocalDpi xmlns:a14="http://schemas.microsoft.com/office/drawing/2010/main" val="0"/>
+              </a:ext>
+            </a:extLst>
+          </a:blip>
+          <a:srcRect l="8215" t="23754" r="966" b="12200"/>
+          <a:stretch/>
+        </p:blipFill>
+        <p:spPr>
+          <a:xfrm>
+            <a:off x="1369924" y="1554244"/>
+            <a:ext cx="9452152" cy="3749511"/>
+          </a:xfrm>
+          <a:prstGeom prst="rect">
+            <a:avLst/>
+          </a:prstGeom>
+        </p:spPr>
+      </p:pic>
+      <p:sp>
+        <p:nvSpPr>
+          <p:cNvPr id="4" name="TextBox 3">
+            <a:extLst>
+              <a:ext uri="{FF2B5EF4-FFF2-40B4-BE49-F238E27FC236}">
+                <a16:creationId xmlns:a16="http://schemas.microsoft.com/office/drawing/2014/main" id="{ABDF8C65-0AA9-4DFA-A97B-615649AF8D9C}"/>
+              </a:ext>
+            </a:extLst>
+          </p:cNvPr>
+          <p:cNvSpPr txBox="1"/>
+          <p:nvPr/>
+        </p:nvSpPr>
+        <p:spPr>
+          <a:xfrm>
+            <a:off x="299301" y="182979"/>
+            <a:ext cx="6103854" cy="584775"/>
+          </a:xfrm>
+          <a:prstGeom prst="rect">
+            <a:avLst/>
+          </a:prstGeom>
+          <a:noFill/>
+        </p:spPr>
+        <p:txBody>
+          <a:bodyPr wrap="square">
+            <a:spAutoFit/>
+          </a:bodyPr>
+          <a:lstStyle>
+            <a:defPPr>
+              <a:defRPr lang="en-US"/>
+            </a:defPPr>
+            <a:lvl1pPr>
+              <a:defRPr sz="4000" b="0" i="0">
+                <a:solidFill>
+                  <a:srgbClr val="5F6368"/>
+                </a:solidFill>
+                <a:effectLst/>
+                <a:latin typeface="Segoe Print" panose="02000600000000000000" pitchFamily="2" charset="0"/>
+                <a:ea typeface="Cambria" panose="02040503050406030204" pitchFamily="18" charset="0"/>
+              </a:defRPr>
+            </a:lvl1pPr>
+          </a:lstStyle>
+          <a:p>
+            <a:r>
+              <a:rPr lang="en-US" dirty="0">
+                <a:solidFill>
+                  <a:schemeClr val="accent2">
+                    <a:lumMod val="75000"/>
+                  </a:schemeClr>
+                </a:solidFill>
+              </a:rPr>
+              <a:t>PCA</a:t>
+            </a:r>
+          </a:p>
+        </p:txBody>
+      </p:sp>
+    </p:spTree>
+    <p:extLst>
+      <p:ext uri="{BB962C8B-B14F-4D97-AF65-F5344CB8AC3E}">
+        <p14:creationId xmlns:p14="http://schemas.microsoft.com/office/powerpoint/2010/main" val="3533458661"/>
+      </p:ext>
+    </p:extLst>
+  </p:cSld>
+  <p:clrMapOvr>
+    <a:masterClrMapping/>
+  </p:clrMapOvr>
+</p:sld>
+</file>
+
+<file path=ppt/slides/slide19.xml><?xml version="1.0" encoding="utf-8"?>
 <p:sld xmlns:a="http://schemas.openxmlformats.org/drawingml/2006/main" xmlns:r="http://schemas.openxmlformats.org/officeDocument/2006/relationships" xmlns:p="http://schemas.openxmlformats.org/presentationml/2006/main">
   <p:cSld>
     <p:spTree>
@@ -7613,7 +7955,9 @@
             <a:r>
               <a:rPr lang="en-US" sz="4000" b="0" i="0" dirty="0">
                 <a:solidFill>
-                  <a:srgbClr val="5F6368"/>
+                  <a:schemeClr val="accent2">
+                    <a:lumMod val="75000"/>
+                  </a:schemeClr>
                 </a:solidFill>
                 <a:effectLst/>
                 <a:latin typeface="Segoe Print" panose="02000600000000000000" pitchFamily="2" charset="0"/>
@@ -7622,6 +7966,11 @@
               <a:t>PCA</a:t>
             </a:r>
             <a:endParaRPr lang="en-US" sz="4000" dirty="0">
+              <a:solidFill>
+                <a:schemeClr val="accent2">
+                  <a:lumMod val="75000"/>
+                </a:schemeClr>
+              </a:solidFill>
               <a:latin typeface="Segoe Print" panose="02000600000000000000" pitchFamily="2" charset="0"/>
               <a:ea typeface="Cambria" panose="02040503050406030204" pitchFamily="18" charset="0"/>
             </a:endParaRPr>
@@ -7641,7 +7990,159 @@
 </p:sld>
 </file>
 
-<file path=ppt/slides/slide17.xml><?xml version="1.0" encoding="utf-8"?>
+<file path=ppt/slides/slide2.xml><?xml version="1.0" encoding="utf-8"?>
+<p:sld xmlns:a="http://schemas.openxmlformats.org/drawingml/2006/main" xmlns:r="http://schemas.openxmlformats.org/officeDocument/2006/relationships" xmlns:p="http://schemas.openxmlformats.org/presentationml/2006/main">
+  <p:cSld>
+    <p:spTree>
+      <p:nvGrpSpPr>
+        <p:cNvPr id="1" name=""/>
+        <p:cNvGrpSpPr/>
+        <p:nvPr/>
+      </p:nvGrpSpPr>
+      <p:grpSpPr>
+        <a:xfrm>
+          <a:off x="0" y="0"/>
+          <a:ext cx="0" cy="0"/>
+          <a:chOff x="0" y="0"/>
+          <a:chExt cx="0" cy="0"/>
+        </a:xfrm>
+      </p:grpSpPr>
+      <p:sp>
+        <p:nvSpPr>
+          <p:cNvPr id="3" name="TextBox 2">
+            <a:extLst>
+              <a:ext uri="{FF2B5EF4-FFF2-40B4-BE49-F238E27FC236}">
+                <a16:creationId xmlns:a16="http://schemas.microsoft.com/office/drawing/2014/main" id="{A8C0ED07-C22C-4E11-90AE-AB151ADC923D}"/>
+              </a:ext>
+            </a:extLst>
+          </p:cNvPr>
+          <p:cNvSpPr txBox="1"/>
+          <p:nvPr/>
+        </p:nvSpPr>
+        <p:spPr>
+          <a:xfrm>
+            <a:off x="1573492" y="2274838"/>
+            <a:ext cx="6103854" cy="2308324"/>
+          </a:xfrm>
+          <a:prstGeom prst="rect">
+            <a:avLst/>
+          </a:prstGeom>
+          <a:noFill/>
+        </p:spPr>
+        <p:txBody>
+          <a:bodyPr wrap="square">
+            <a:spAutoFit/>
+          </a:bodyPr>
+          <a:lstStyle/>
+          <a:p>
+            <a:r>
+              <a:rPr lang="en-US" sz="3600" b="0" i="0" dirty="0">
+                <a:solidFill>
+                  <a:srgbClr val="0097B2"/>
+                </a:solidFill>
+                <a:effectLst/>
+                <a:latin typeface="Cambria" panose="02040503050406030204" pitchFamily="18" charset="0"/>
+                <a:ea typeface="Cambria" panose="02040503050406030204" pitchFamily="18" charset="0"/>
+              </a:rPr>
+              <a:t>Supervised</a:t>
+            </a:r>
+            <a:r>
+              <a:rPr lang="en-US" sz="3600" dirty="0">
+                <a:solidFill>
+                  <a:srgbClr val="000000"/>
+                </a:solidFill>
+                <a:latin typeface="Cambria" panose="02040503050406030204" pitchFamily="18" charset="0"/>
+                <a:ea typeface="Cambria" panose="02040503050406030204" pitchFamily="18" charset="0"/>
+              </a:rPr>
+              <a:t>:</a:t>
+            </a:r>
+          </a:p>
+          <a:p>
+            <a:pPr marL="457200" indent="-457200">
+              <a:buFont typeface="Arial" panose="020B0604020202020204" pitchFamily="34" charset="0"/>
+              <a:buChar char="•"/>
+            </a:pPr>
+            <a:r>
+              <a:rPr lang="en-US" sz="3600" b="0" i="0" dirty="0">
+                <a:solidFill>
+                  <a:srgbClr val="000000"/>
+                </a:solidFill>
+                <a:effectLst/>
+                <a:latin typeface="Cambria" panose="02040503050406030204" pitchFamily="18" charset="0"/>
+                <a:ea typeface="Cambria" panose="02040503050406030204" pitchFamily="18" charset="0"/>
+              </a:rPr>
+              <a:t>Decision Tree,</a:t>
+            </a:r>
+          </a:p>
+          <a:p>
+            <a:pPr marL="457200" indent="-457200">
+              <a:buFont typeface="Arial" panose="020B0604020202020204" pitchFamily="34" charset="0"/>
+              <a:buChar char="•"/>
+            </a:pPr>
+            <a:r>
+              <a:rPr lang="en-US" sz="3600" b="0" i="0" dirty="0">
+                <a:solidFill>
+                  <a:srgbClr val="000000"/>
+                </a:solidFill>
+                <a:effectLst/>
+                <a:latin typeface="Cambria" panose="02040503050406030204" pitchFamily="18" charset="0"/>
+                <a:ea typeface="Cambria" panose="02040503050406030204" pitchFamily="18" charset="0"/>
+              </a:rPr>
+              <a:t>Random Forest,</a:t>
+            </a:r>
+          </a:p>
+          <a:p>
+            <a:pPr marL="457200" indent="-457200">
+              <a:buFont typeface="Arial" panose="020B0604020202020204" pitchFamily="34" charset="0"/>
+              <a:buChar char="•"/>
+            </a:pPr>
+            <a:r>
+              <a:rPr lang="en-US" sz="3600" b="0" i="0" dirty="0" err="1">
+                <a:solidFill>
+                  <a:srgbClr val="000000"/>
+                </a:solidFill>
+                <a:effectLst/>
+                <a:latin typeface="Cambria" panose="02040503050406030204" pitchFamily="18" charset="0"/>
+                <a:ea typeface="Cambria" panose="02040503050406030204" pitchFamily="18" charset="0"/>
+              </a:rPr>
+              <a:t>eXtreme</a:t>
+            </a:r>
+            <a:r>
+              <a:rPr lang="en-US" sz="3600" b="0" i="0" dirty="0">
+                <a:solidFill>
+                  <a:srgbClr val="000000"/>
+                </a:solidFill>
+                <a:effectLst/>
+                <a:latin typeface="Cambria" panose="02040503050406030204" pitchFamily="18" charset="0"/>
+                <a:ea typeface="Cambria" panose="02040503050406030204" pitchFamily="18" charset="0"/>
+              </a:rPr>
+              <a:t> Gradient Boosting</a:t>
+            </a:r>
+            <a:endParaRPr lang="en-US" sz="3600" dirty="0">
+              <a:solidFill>
+                <a:srgbClr val="000000"/>
+              </a:solidFill>
+              <a:effectLst/>
+              <a:latin typeface="Cambria" panose="02040503050406030204" pitchFamily="18" charset="0"/>
+              <a:ea typeface="Cambria" panose="02040503050406030204" pitchFamily="18" charset="0"/>
+            </a:endParaRPr>
+          </a:p>
+        </p:txBody>
+      </p:sp>
+    </p:spTree>
+    <p:extLst>
+      <p:ext uri="{BB962C8B-B14F-4D97-AF65-F5344CB8AC3E}">
+        <p14:creationId xmlns:p14="http://schemas.microsoft.com/office/powerpoint/2010/main" val="1818506758"/>
+      </p:ext>
+    </p:extLst>
+  </p:cSld>
+  <p:clrMapOvr>
+    <a:masterClrMapping/>
+  </p:clrMapOvr>
+</p:sld>
+</file>
+
+<file path=ppt/slides/slide20.xml><?xml version="1.0" encoding="utf-8"?>
 <p:sld xmlns:a="http://schemas.openxmlformats.org/drawingml/2006/main" xmlns:r="http://schemas.openxmlformats.org/officeDocument/2006/relationships" xmlns:p="http://schemas.openxmlformats.org/presentationml/2006/main">
   <p:cSld>
     <p:spTree>
@@ -8187,7 +8688,9 @@
             <a:r>
               <a:rPr lang="en-US" sz="4000" b="0" i="0" dirty="0">
                 <a:solidFill>
-                  <a:srgbClr val="5F6368"/>
+                  <a:schemeClr val="accent2">
+                    <a:lumMod val="75000"/>
+                  </a:schemeClr>
                 </a:solidFill>
                 <a:effectLst/>
                 <a:latin typeface="Segoe Print" panose="02000600000000000000" pitchFamily="2" charset="0"/>
@@ -8196,6 +8699,11 @@
               <a:t>PCA</a:t>
             </a:r>
             <a:endParaRPr lang="en-US" sz="4000" dirty="0">
+              <a:solidFill>
+                <a:schemeClr val="accent2">
+                  <a:lumMod val="75000"/>
+                </a:schemeClr>
+              </a:solidFill>
               <a:latin typeface="Segoe Print" panose="02000600000000000000" pitchFamily="2" charset="0"/>
               <a:ea typeface="Cambria" panose="02040503050406030204" pitchFamily="18" charset="0"/>
             </a:endParaRPr>
@@ -8215,7 +8723,7 @@
 </p:sld>
 </file>
 
-<file path=ppt/slides/slide18.xml><?xml version="1.0" encoding="utf-8"?>
+<file path=ppt/slides/slide21.xml><?xml version="1.0" encoding="utf-8"?>
 <p:sld xmlns:a="http://schemas.openxmlformats.org/drawingml/2006/main" xmlns:r="http://schemas.openxmlformats.org/officeDocument/2006/relationships" xmlns:p="http://schemas.openxmlformats.org/presentationml/2006/main">
   <p:cSld>
     <p:spTree>
@@ -8260,7 +8768,7 @@
         </p:blipFill>
         <p:spPr>
           <a:xfrm>
-            <a:off x="912604" y="904159"/>
+            <a:off x="1563053" y="904159"/>
             <a:ext cx="6515718" cy="5049681"/>
           </a:xfrm>
           <a:prstGeom prst="rect">
@@ -8299,7 +8807,9 @@
             <a:r>
               <a:rPr lang="en-US" sz="4000" b="0" i="0" dirty="0">
                 <a:solidFill>
-                  <a:srgbClr val="5F6368"/>
+                  <a:schemeClr val="accent2">
+                    <a:lumMod val="75000"/>
+                  </a:schemeClr>
                 </a:solidFill>
                 <a:effectLst/>
                 <a:latin typeface="Segoe Print" panose="02000600000000000000" pitchFamily="2" charset="0"/>
@@ -8308,6 +8818,11 @@
               <a:t>PCA</a:t>
             </a:r>
             <a:endParaRPr lang="en-US" sz="4000" dirty="0">
+              <a:solidFill>
+                <a:schemeClr val="accent2">
+                  <a:lumMod val="75000"/>
+                </a:schemeClr>
+              </a:solidFill>
               <a:latin typeface="Segoe Print" panose="02000600000000000000" pitchFamily="2" charset="0"/>
               <a:ea typeface="Cambria" panose="02040503050406030204" pitchFamily="18" charset="0"/>
             </a:endParaRPr>
@@ -8318,158 +8833,6 @@
     <p:extLst>
       <p:ext uri="{BB962C8B-B14F-4D97-AF65-F5344CB8AC3E}">
         <p14:creationId xmlns:p14="http://schemas.microsoft.com/office/powerpoint/2010/main" val="3800576461"/>
-      </p:ext>
-    </p:extLst>
-  </p:cSld>
-  <p:clrMapOvr>
-    <a:masterClrMapping/>
-  </p:clrMapOvr>
-</p:sld>
-</file>
-
-<file path=ppt/slides/slide2.xml><?xml version="1.0" encoding="utf-8"?>
-<p:sld xmlns:a="http://schemas.openxmlformats.org/drawingml/2006/main" xmlns:r="http://schemas.openxmlformats.org/officeDocument/2006/relationships" xmlns:p="http://schemas.openxmlformats.org/presentationml/2006/main">
-  <p:cSld>
-    <p:spTree>
-      <p:nvGrpSpPr>
-        <p:cNvPr id="1" name=""/>
-        <p:cNvGrpSpPr/>
-        <p:nvPr/>
-      </p:nvGrpSpPr>
-      <p:grpSpPr>
-        <a:xfrm>
-          <a:off x="0" y="0"/>
-          <a:ext cx="0" cy="0"/>
-          <a:chOff x="0" y="0"/>
-          <a:chExt cx="0" cy="0"/>
-        </a:xfrm>
-      </p:grpSpPr>
-      <p:sp>
-        <p:nvSpPr>
-          <p:cNvPr id="3" name="TextBox 2">
-            <a:extLst>
-              <a:ext uri="{FF2B5EF4-FFF2-40B4-BE49-F238E27FC236}">
-                <a16:creationId xmlns:a16="http://schemas.microsoft.com/office/drawing/2014/main" id="{A8C0ED07-C22C-4E11-90AE-AB151ADC923D}"/>
-              </a:ext>
-            </a:extLst>
-          </p:cNvPr>
-          <p:cNvSpPr txBox="1"/>
-          <p:nvPr/>
-        </p:nvSpPr>
-        <p:spPr>
-          <a:xfrm>
-            <a:off x="1573492" y="2274838"/>
-            <a:ext cx="6103854" cy="2308324"/>
-          </a:xfrm>
-          <a:prstGeom prst="rect">
-            <a:avLst/>
-          </a:prstGeom>
-          <a:noFill/>
-        </p:spPr>
-        <p:txBody>
-          <a:bodyPr wrap="square">
-            <a:spAutoFit/>
-          </a:bodyPr>
-          <a:lstStyle/>
-          <a:p>
-            <a:r>
-              <a:rPr lang="en-US" sz="3600" b="0" i="0" dirty="0">
-                <a:solidFill>
-                  <a:srgbClr val="0097B2"/>
-                </a:solidFill>
-                <a:effectLst/>
-                <a:latin typeface="Cambria" panose="02040503050406030204" pitchFamily="18" charset="0"/>
-                <a:ea typeface="Cambria" panose="02040503050406030204" pitchFamily="18" charset="0"/>
-              </a:rPr>
-              <a:t>Supervised</a:t>
-            </a:r>
-            <a:r>
-              <a:rPr lang="en-US" sz="3600" dirty="0">
-                <a:solidFill>
-                  <a:srgbClr val="000000"/>
-                </a:solidFill>
-                <a:latin typeface="Cambria" panose="02040503050406030204" pitchFamily="18" charset="0"/>
-                <a:ea typeface="Cambria" panose="02040503050406030204" pitchFamily="18" charset="0"/>
-              </a:rPr>
-              <a:t>:</a:t>
-            </a:r>
-          </a:p>
-          <a:p>
-            <a:pPr marL="457200" indent="-457200">
-              <a:buFont typeface="Arial" panose="020B0604020202020204" pitchFamily="34" charset="0"/>
-              <a:buChar char="•"/>
-            </a:pPr>
-            <a:r>
-              <a:rPr lang="en-US" sz="3600" b="0" i="0" dirty="0">
-                <a:solidFill>
-                  <a:srgbClr val="000000"/>
-                </a:solidFill>
-                <a:effectLst/>
-                <a:latin typeface="Cambria" panose="02040503050406030204" pitchFamily="18" charset="0"/>
-                <a:ea typeface="Cambria" panose="02040503050406030204" pitchFamily="18" charset="0"/>
-              </a:rPr>
-              <a:t>Decision Tree,</a:t>
-            </a:r>
-          </a:p>
-          <a:p>
-            <a:pPr marL="457200" indent="-457200">
-              <a:buFont typeface="Arial" panose="020B0604020202020204" pitchFamily="34" charset="0"/>
-              <a:buChar char="•"/>
-            </a:pPr>
-            <a:r>
-              <a:rPr lang="en-US" sz="3600" b="0" i="0" dirty="0">
-                <a:solidFill>
-                  <a:srgbClr val="000000"/>
-                </a:solidFill>
-                <a:effectLst/>
-                <a:latin typeface="Cambria" panose="02040503050406030204" pitchFamily="18" charset="0"/>
-                <a:ea typeface="Cambria" panose="02040503050406030204" pitchFamily="18" charset="0"/>
-              </a:rPr>
-              <a:t>Random Forest,</a:t>
-            </a:r>
-          </a:p>
-          <a:p>
-            <a:pPr marL="457200" indent="-457200">
-              <a:buFont typeface="Arial" panose="020B0604020202020204" pitchFamily="34" charset="0"/>
-              <a:buChar char="•"/>
-            </a:pPr>
-            <a:r>
-              <a:rPr lang="en-US" sz="3600" b="0" i="0" dirty="0" err="1">
-                <a:solidFill>
-                  <a:srgbClr val="000000"/>
-                </a:solidFill>
-                <a:effectLst/>
-                <a:latin typeface="Cambria" panose="02040503050406030204" pitchFamily="18" charset="0"/>
-                <a:ea typeface="Cambria" panose="02040503050406030204" pitchFamily="18" charset="0"/>
-              </a:rPr>
-              <a:t>eXtreme</a:t>
-            </a:r>
-            <a:r>
-              <a:rPr lang="en-US" sz="3600" b="0" i="0" dirty="0">
-                <a:solidFill>
-                  <a:srgbClr val="000000"/>
-                </a:solidFill>
-                <a:effectLst/>
-                <a:latin typeface="Cambria" panose="02040503050406030204" pitchFamily="18" charset="0"/>
-                <a:ea typeface="Cambria" panose="02040503050406030204" pitchFamily="18" charset="0"/>
-              </a:rPr>
-              <a:t> Gradient Boosting</a:t>
-            </a:r>
-            <a:endParaRPr lang="en-US" sz="3600" dirty="0">
-              <a:solidFill>
-                <a:srgbClr val="000000"/>
-              </a:solidFill>
-              <a:effectLst/>
-              <a:latin typeface="Cambria" panose="02040503050406030204" pitchFamily="18" charset="0"/>
-              <a:ea typeface="Cambria" panose="02040503050406030204" pitchFamily="18" charset="0"/>
-            </a:endParaRPr>
-          </a:p>
-        </p:txBody>
-      </p:sp>
-    </p:spTree>
-    <p:extLst>
-      <p:ext uri="{BB962C8B-B14F-4D97-AF65-F5344CB8AC3E}">
-        <p14:creationId xmlns:p14="http://schemas.microsoft.com/office/powerpoint/2010/main" val="1818506758"/>
       </p:ext>
     </p:extLst>
   </p:cSld>
@@ -8527,7 +8890,9 @@
             <a:r>
               <a:rPr lang="en-US" sz="3200" b="0" i="0" dirty="0">
                 <a:solidFill>
-                  <a:srgbClr val="5F6368"/>
+                  <a:schemeClr val="accent2">
+                    <a:lumMod val="75000"/>
+                  </a:schemeClr>
                 </a:solidFill>
                 <a:effectLst/>
                 <a:latin typeface="Segoe Print" panose="02000600000000000000" pitchFamily="2" charset="0"/>
@@ -8536,6 +8901,11 @@
               <a:t>Data on smoking habits</a:t>
             </a:r>
             <a:endParaRPr lang="en-US" sz="3200" dirty="0">
+              <a:solidFill>
+                <a:schemeClr val="accent2">
+                  <a:lumMod val="75000"/>
+                </a:schemeClr>
+              </a:solidFill>
               <a:latin typeface="Segoe Print" panose="02000600000000000000" pitchFamily="2" charset="0"/>
               <a:ea typeface="Cambria" panose="02040503050406030204" pitchFamily="18" charset="0"/>
             </a:endParaRPr>
@@ -8908,488 +9278,6 @@
           <a:chExt cx="0" cy="0"/>
         </a:xfrm>
       </p:grpSpPr>
-      <p:sp>
-        <p:nvSpPr>
-          <p:cNvPr id="2" name="Rectangle: Rounded Corners 1">
-            <a:extLst>
-              <a:ext uri="{FF2B5EF4-FFF2-40B4-BE49-F238E27FC236}">
-                <a16:creationId xmlns:a16="http://schemas.microsoft.com/office/drawing/2014/main" id="{CB4DC6FB-D941-43DA-AC7C-2A597D99EFE8}"/>
-              </a:ext>
-            </a:extLst>
-          </p:cNvPr>
-          <p:cNvSpPr/>
-          <p:nvPr/>
-        </p:nvSpPr>
-        <p:spPr>
-          <a:xfrm>
-            <a:off x="3781719" y="509048"/>
-            <a:ext cx="4628561" cy="970961"/>
-          </a:xfrm>
-          <a:prstGeom prst="roundRect">
-            <a:avLst/>
-          </a:prstGeom>
-        </p:spPr>
-        <p:style>
-          <a:lnRef idx="1">
-            <a:schemeClr val="dk1"/>
-          </a:lnRef>
-          <a:fillRef idx="3">
-            <a:schemeClr val="dk1"/>
-          </a:fillRef>
-          <a:effectRef idx="2">
-            <a:schemeClr val="dk1"/>
-          </a:effectRef>
-          <a:fontRef idx="minor">
-            <a:schemeClr val="lt1"/>
-          </a:fontRef>
-        </p:style>
-        <p:txBody>
-          <a:bodyPr rtlCol="0" anchor="ctr"/>
-          <a:lstStyle/>
-          <a:p>
-            <a:pPr algn="ctr"/>
-            <a:r>
-              <a:rPr lang="en-US" sz="3600" dirty="0">
-                <a:solidFill>
-                  <a:schemeClr val="bg1"/>
-                </a:solidFill>
-                <a:latin typeface="Cambria" panose="02040503050406030204" pitchFamily="18" charset="0"/>
-                <a:ea typeface="Cambria" panose="02040503050406030204" pitchFamily="18" charset="0"/>
-              </a:rPr>
-              <a:t>Data</a:t>
-            </a:r>
-          </a:p>
-        </p:txBody>
-      </p:sp>
-      <p:cxnSp>
-        <p:nvCxnSpPr>
-          <p:cNvPr id="4" name="Straight Arrow Connector 3">
-            <a:extLst>
-              <a:ext uri="{FF2B5EF4-FFF2-40B4-BE49-F238E27FC236}">
-                <a16:creationId xmlns:a16="http://schemas.microsoft.com/office/drawing/2014/main" id="{0C208E2D-5466-409F-A4E8-728F97246256}"/>
-              </a:ext>
-            </a:extLst>
-          </p:cNvPr>
-          <p:cNvCxnSpPr>
-            <a:stCxn id="2" idx="2"/>
-          </p:cNvCxnSpPr>
-          <p:nvPr/>
-        </p:nvCxnSpPr>
-        <p:spPr>
-          <a:xfrm>
-            <a:off x="6096000" y="1480009"/>
-            <a:ext cx="0" cy="989814"/>
-          </a:xfrm>
-          <a:prstGeom prst="straightConnector1">
-            <a:avLst/>
-          </a:prstGeom>
-          <a:ln>
-            <a:tailEnd type="triangle"/>
-          </a:ln>
-        </p:spPr>
-        <p:style>
-          <a:lnRef idx="1">
-            <a:schemeClr val="dk1"/>
-          </a:lnRef>
-          <a:fillRef idx="0">
-            <a:schemeClr val="dk1"/>
-          </a:fillRef>
-          <a:effectRef idx="0">
-            <a:schemeClr val="dk1"/>
-          </a:effectRef>
-          <a:fontRef idx="minor">
-            <a:schemeClr val="tx1"/>
-          </a:fontRef>
-        </p:style>
-      </p:cxnSp>
-      <p:sp>
-        <p:nvSpPr>
-          <p:cNvPr id="5" name="Rectangle: Rounded Corners 4">
-            <a:extLst>
-              <a:ext uri="{FF2B5EF4-FFF2-40B4-BE49-F238E27FC236}">
-                <a16:creationId xmlns:a16="http://schemas.microsoft.com/office/drawing/2014/main" id="{BA9B3C47-3681-47E6-B389-02548882DBAF}"/>
-              </a:ext>
-            </a:extLst>
-          </p:cNvPr>
-          <p:cNvSpPr/>
-          <p:nvPr/>
-        </p:nvSpPr>
-        <p:spPr>
-          <a:xfrm>
-            <a:off x="3781718" y="2469823"/>
-            <a:ext cx="4628561" cy="1168923"/>
-          </a:xfrm>
-          <a:prstGeom prst="roundRect">
-            <a:avLst/>
-          </a:prstGeom>
-        </p:spPr>
-        <p:style>
-          <a:lnRef idx="1">
-            <a:schemeClr val="dk1"/>
-          </a:lnRef>
-          <a:fillRef idx="3">
-            <a:schemeClr val="dk1"/>
-          </a:fillRef>
-          <a:effectRef idx="2">
-            <a:schemeClr val="dk1"/>
-          </a:effectRef>
-          <a:fontRef idx="minor">
-            <a:schemeClr val="lt1"/>
-          </a:fontRef>
-        </p:style>
-        <p:txBody>
-          <a:bodyPr rtlCol="0" anchor="ctr"/>
-          <a:lstStyle/>
-          <a:p>
-            <a:pPr algn="ctr"/>
-            <a:r>
-              <a:rPr lang="en-US" sz="3600" dirty="0">
-                <a:solidFill>
-                  <a:schemeClr val="bg1"/>
-                </a:solidFill>
-                <a:latin typeface="Cambria" panose="02040503050406030204" pitchFamily="18" charset="0"/>
-                <a:ea typeface="Cambria" panose="02040503050406030204" pitchFamily="18" charset="0"/>
-              </a:rPr>
-              <a:t>Preprocessing,</a:t>
-            </a:r>
-          </a:p>
-          <a:p>
-            <a:pPr algn="ctr"/>
-            <a:r>
-              <a:rPr lang="en-US" sz="3600" dirty="0">
-                <a:solidFill>
-                  <a:schemeClr val="bg1"/>
-                </a:solidFill>
-                <a:latin typeface="Cambria" panose="02040503050406030204" pitchFamily="18" charset="0"/>
-                <a:ea typeface="Cambria" panose="02040503050406030204" pitchFamily="18" charset="0"/>
-              </a:rPr>
-              <a:t>EDA</a:t>
-            </a:r>
-          </a:p>
-        </p:txBody>
-      </p:sp>
-      <p:sp>
-        <p:nvSpPr>
-          <p:cNvPr id="6" name="Rectangle: Rounded Corners 5">
-            <a:extLst>
-              <a:ext uri="{FF2B5EF4-FFF2-40B4-BE49-F238E27FC236}">
-                <a16:creationId xmlns:a16="http://schemas.microsoft.com/office/drawing/2014/main" id="{AFCF4E1D-082A-4F9F-8EDF-5FAC0C452CD3}"/>
-              </a:ext>
-            </a:extLst>
-          </p:cNvPr>
-          <p:cNvSpPr/>
-          <p:nvPr/>
-        </p:nvSpPr>
-        <p:spPr>
-          <a:xfrm>
-            <a:off x="8616098" y="4892513"/>
-            <a:ext cx="3352802" cy="716436"/>
-          </a:xfrm>
-          <a:prstGeom prst="roundRect">
-            <a:avLst/>
-          </a:prstGeom>
-        </p:spPr>
-        <p:style>
-          <a:lnRef idx="1">
-            <a:schemeClr val="dk1"/>
-          </a:lnRef>
-          <a:fillRef idx="3">
-            <a:schemeClr val="dk1"/>
-          </a:fillRef>
-          <a:effectRef idx="2">
-            <a:schemeClr val="dk1"/>
-          </a:effectRef>
-          <a:fontRef idx="minor">
-            <a:schemeClr val="lt1"/>
-          </a:fontRef>
-        </p:style>
-        <p:txBody>
-          <a:bodyPr rtlCol="0" anchor="ctr"/>
-          <a:lstStyle/>
-          <a:p>
-            <a:pPr algn="ctr"/>
-            <a:r>
-              <a:rPr lang="en-US" sz="3600" dirty="0" err="1">
-                <a:solidFill>
-                  <a:schemeClr val="bg1"/>
-                </a:solidFill>
-                <a:latin typeface="Cambria" panose="02040503050406030204" pitchFamily="18" charset="0"/>
-                <a:ea typeface="Cambria" panose="02040503050406030204" pitchFamily="18" charset="0"/>
-              </a:rPr>
-              <a:t>XGBoost</a:t>
-            </a:r>
-            <a:endParaRPr lang="en-US" sz="3600" dirty="0">
-              <a:solidFill>
-                <a:schemeClr val="bg1"/>
-              </a:solidFill>
-              <a:latin typeface="Cambria" panose="02040503050406030204" pitchFamily="18" charset="0"/>
-              <a:ea typeface="Cambria" panose="02040503050406030204" pitchFamily="18" charset="0"/>
-            </a:endParaRPr>
-          </a:p>
-        </p:txBody>
-      </p:sp>
-      <p:sp>
-        <p:nvSpPr>
-          <p:cNvPr id="7" name="Rectangle: Rounded Corners 6">
-            <a:extLst>
-              <a:ext uri="{FF2B5EF4-FFF2-40B4-BE49-F238E27FC236}">
-                <a16:creationId xmlns:a16="http://schemas.microsoft.com/office/drawing/2014/main" id="{607D6EA5-8405-4435-9A4F-A440E9654E11}"/>
-              </a:ext>
-            </a:extLst>
-          </p:cNvPr>
-          <p:cNvSpPr/>
-          <p:nvPr/>
-        </p:nvSpPr>
-        <p:spPr>
-          <a:xfrm>
-            <a:off x="4419599" y="4892513"/>
-            <a:ext cx="3352802" cy="716436"/>
-          </a:xfrm>
-          <a:prstGeom prst="roundRect">
-            <a:avLst/>
-          </a:prstGeom>
-        </p:spPr>
-        <p:style>
-          <a:lnRef idx="1">
-            <a:schemeClr val="dk1"/>
-          </a:lnRef>
-          <a:fillRef idx="3">
-            <a:schemeClr val="dk1"/>
-          </a:fillRef>
-          <a:effectRef idx="2">
-            <a:schemeClr val="dk1"/>
-          </a:effectRef>
-          <a:fontRef idx="minor">
-            <a:schemeClr val="lt1"/>
-          </a:fontRef>
-        </p:style>
-        <p:txBody>
-          <a:bodyPr rtlCol="0" anchor="ctr"/>
-          <a:lstStyle/>
-          <a:p>
-            <a:pPr algn="ctr"/>
-            <a:r>
-              <a:rPr lang="en-US" sz="3600" dirty="0">
-                <a:solidFill>
-                  <a:schemeClr val="bg1"/>
-                </a:solidFill>
-                <a:latin typeface="Cambria" panose="02040503050406030204" pitchFamily="18" charset="0"/>
-                <a:ea typeface="Cambria" panose="02040503050406030204" pitchFamily="18" charset="0"/>
-              </a:rPr>
-              <a:t>Random Forest</a:t>
-            </a:r>
-          </a:p>
-        </p:txBody>
-      </p:sp>
-      <p:sp>
-        <p:nvSpPr>
-          <p:cNvPr id="8" name="Rectangle: Rounded Corners 7">
-            <a:extLst>
-              <a:ext uri="{FF2B5EF4-FFF2-40B4-BE49-F238E27FC236}">
-                <a16:creationId xmlns:a16="http://schemas.microsoft.com/office/drawing/2014/main" id="{9C6EE5BC-D519-486D-84C6-DAA8EC7C89EA}"/>
-              </a:ext>
-            </a:extLst>
-          </p:cNvPr>
-          <p:cNvSpPr/>
-          <p:nvPr/>
-        </p:nvSpPr>
-        <p:spPr>
-          <a:xfrm>
-            <a:off x="223100" y="4892513"/>
-            <a:ext cx="3352802" cy="716436"/>
-          </a:xfrm>
-          <a:prstGeom prst="roundRect">
-            <a:avLst/>
-          </a:prstGeom>
-        </p:spPr>
-        <p:style>
-          <a:lnRef idx="1">
-            <a:schemeClr val="dk1"/>
-          </a:lnRef>
-          <a:fillRef idx="3">
-            <a:schemeClr val="dk1"/>
-          </a:fillRef>
-          <a:effectRef idx="2">
-            <a:schemeClr val="dk1"/>
-          </a:effectRef>
-          <a:fontRef idx="minor">
-            <a:schemeClr val="lt1"/>
-          </a:fontRef>
-        </p:style>
-        <p:txBody>
-          <a:bodyPr rtlCol="0" anchor="ctr"/>
-          <a:lstStyle/>
-          <a:p>
-            <a:pPr algn="ctr"/>
-            <a:r>
-              <a:rPr lang="en-US" sz="3600" dirty="0">
-                <a:solidFill>
-                  <a:schemeClr val="bg1"/>
-                </a:solidFill>
-                <a:latin typeface="Cambria" panose="02040503050406030204" pitchFamily="18" charset="0"/>
-                <a:ea typeface="Cambria" panose="02040503050406030204" pitchFamily="18" charset="0"/>
-              </a:rPr>
-              <a:t>Decision Tree</a:t>
-            </a:r>
-          </a:p>
-        </p:txBody>
-      </p:sp>
-      <p:cxnSp>
-        <p:nvCxnSpPr>
-          <p:cNvPr id="10" name="Straight Arrow Connector 9">
-            <a:extLst>
-              <a:ext uri="{FF2B5EF4-FFF2-40B4-BE49-F238E27FC236}">
-                <a16:creationId xmlns:a16="http://schemas.microsoft.com/office/drawing/2014/main" id="{FFA0496E-F9D3-4E43-93F6-7E12DB6FB2B2}"/>
-              </a:ext>
-            </a:extLst>
-          </p:cNvPr>
-          <p:cNvCxnSpPr>
-            <a:stCxn id="5" idx="2"/>
-            <a:endCxn id="8" idx="0"/>
-          </p:cNvCxnSpPr>
-          <p:nvPr/>
-        </p:nvCxnSpPr>
-        <p:spPr>
-          <a:xfrm flipH="1">
-            <a:off x="1899501" y="3638746"/>
-            <a:ext cx="4196498" cy="1253767"/>
-          </a:xfrm>
-          <a:prstGeom prst="straightConnector1">
-            <a:avLst/>
-          </a:prstGeom>
-          <a:ln>
-            <a:tailEnd type="triangle"/>
-          </a:ln>
-        </p:spPr>
-        <p:style>
-          <a:lnRef idx="1">
-            <a:schemeClr val="dk1"/>
-          </a:lnRef>
-          <a:fillRef idx="0">
-            <a:schemeClr val="dk1"/>
-          </a:fillRef>
-          <a:effectRef idx="0">
-            <a:schemeClr val="dk1"/>
-          </a:effectRef>
-          <a:fontRef idx="minor">
-            <a:schemeClr val="tx1"/>
-          </a:fontRef>
-        </p:style>
-      </p:cxnSp>
-      <p:cxnSp>
-        <p:nvCxnSpPr>
-          <p:cNvPr id="12" name="Straight Arrow Connector 11">
-            <a:extLst>
-              <a:ext uri="{FF2B5EF4-FFF2-40B4-BE49-F238E27FC236}">
-                <a16:creationId xmlns:a16="http://schemas.microsoft.com/office/drawing/2014/main" id="{B928388F-4C1C-47D2-B436-BDCF6E8E3D99}"/>
-              </a:ext>
-            </a:extLst>
-          </p:cNvPr>
-          <p:cNvCxnSpPr>
-            <a:stCxn id="5" idx="2"/>
-            <a:endCxn id="7" idx="0"/>
-          </p:cNvCxnSpPr>
-          <p:nvPr/>
-        </p:nvCxnSpPr>
-        <p:spPr>
-          <a:xfrm>
-            <a:off x="6095999" y="3638746"/>
-            <a:ext cx="1" cy="1253767"/>
-          </a:xfrm>
-          <a:prstGeom prst="straightConnector1">
-            <a:avLst/>
-          </a:prstGeom>
-          <a:ln>
-            <a:tailEnd type="triangle"/>
-          </a:ln>
-        </p:spPr>
-        <p:style>
-          <a:lnRef idx="1">
-            <a:schemeClr val="dk1"/>
-          </a:lnRef>
-          <a:fillRef idx="0">
-            <a:schemeClr val="dk1"/>
-          </a:fillRef>
-          <a:effectRef idx="0">
-            <a:schemeClr val="dk1"/>
-          </a:effectRef>
-          <a:fontRef idx="minor">
-            <a:schemeClr val="tx1"/>
-          </a:fontRef>
-        </p:style>
-      </p:cxnSp>
-      <p:cxnSp>
-        <p:nvCxnSpPr>
-          <p:cNvPr id="14" name="Straight Arrow Connector 13">
-            <a:extLst>
-              <a:ext uri="{FF2B5EF4-FFF2-40B4-BE49-F238E27FC236}">
-                <a16:creationId xmlns:a16="http://schemas.microsoft.com/office/drawing/2014/main" id="{2B8FEBEC-B57C-44E6-9E67-5B00C8A097EE}"/>
-              </a:ext>
-            </a:extLst>
-          </p:cNvPr>
-          <p:cNvCxnSpPr>
-            <a:stCxn id="5" idx="2"/>
-            <a:endCxn id="6" idx="0"/>
-          </p:cNvCxnSpPr>
-          <p:nvPr/>
-        </p:nvCxnSpPr>
-        <p:spPr>
-          <a:xfrm>
-            <a:off x="6095999" y="3638746"/>
-            <a:ext cx="4196500" cy="1253767"/>
-          </a:xfrm>
-          <a:prstGeom prst="straightConnector1">
-            <a:avLst/>
-          </a:prstGeom>
-          <a:ln>
-            <a:tailEnd type="triangle"/>
-          </a:ln>
-        </p:spPr>
-        <p:style>
-          <a:lnRef idx="1">
-            <a:schemeClr val="dk1"/>
-          </a:lnRef>
-          <a:fillRef idx="0">
-            <a:schemeClr val="dk1"/>
-          </a:fillRef>
-          <a:effectRef idx="0">
-            <a:schemeClr val="dk1"/>
-          </a:effectRef>
-          <a:fontRef idx="minor">
-            <a:schemeClr val="tx1"/>
-          </a:fontRef>
-        </p:style>
-      </p:cxnSp>
-    </p:spTree>
-    <p:extLst>
-      <p:ext uri="{BB962C8B-B14F-4D97-AF65-F5344CB8AC3E}">
-        <p14:creationId xmlns:p14="http://schemas.microsoft.com/office/powerpoint/2010/main" val="3856375674"/>
-      </p:ext>
-    </p:extLst>
-  </p:cSld>
-  <p:clrMapOvr>
-    <a:masterClrMapping/>
-  </p:clrMapOvr>
-</p:sld>
-</file>
-
-<file path=ppt/slides/slide5.xml><?xml version="1.0" encoding="utf-8"?>
-<p:sld xmlns:a="http://schemas.openxmlformats.org/drawingml/2006/main" xmlns:r="http://schemas.openxmlformats.org/officeDocument/2006/relationships" xmlns:p="http://schemas.openxmlformats.org/presentationml/2006/main">
-  <p:cSld>
-    <p:spTree>
-      <p:nvGrpSpPr>
-        <p:cNvPr id="1" name=""/>
-        <p:cNvGrpSpPr/>
-        <p:nvPr/>
-      </p:nvGrpSpPr>
-      <p:grpSpPr>
-        <a:xfrm>
-          <a:off x="0" y="0"/>
-          <a:ext cx="0" cy="0"/>
-          <a:chOff x="0" y="0"/>
-          <a:chExt cx="0" cy="0"/>
-        </a:xfrm>
-      </p:grpSpPr>
       <p:pic>
         <p:nvPicPr>
           <p:cNvPr id="5" name="Picture 4">
@@ -9543,7 +9431,7 @@
 </p:sld>
 </file>
 
-<file path=ppt/slides/slide6.xml><?xml version="1.0" encoding="utf-8"?>
+<file path=ppt/slides/slide5.xml><?xml version="1.0" encoding="utf-8"?>
 <p:sld xmlns:a="http://schemas.openxmlformats.org/drawingml/2006/main" xmlns:r="http://schemas.openxmlformats.org/officeDocument/2006/relationships" xmlns:p="http://schemas.openxmlformats.org/presentationml/2006/main">
   <p:cSld>
     <p:spTree>
@@ -9678,7 +9566,7 @@
 </p:sld>
 </file>
 
-<file path=ppt/slides/slide7.xml><?xml version="1.0" encoding="utf-8"?>
+<file path=ppt/slides/slide6.xml><?xml version="1.0" encoding="utf-8"?>
 <p:sld xmlns:a="http://schemas.openxmlformats.org/drawingml/2006/main" xmlns:r="http://schemas.openxmlformats.org/officeDocument/2006/relationships" xmlns:p="http://schemas.openxmlformats.org/presentationml/2006/main">
   <p:cSld>
     <p:spTree>
@@ -10640,6 +10528,11 @@
           <a:p>
             <a:r>
               <a:rPr lang="en-US" dirty="0">
+                <a:solidFill>
+                  <a:schemeClr val="accent2">
+                    <a:lumMod val="75000"/>
+                  </a:schemeClr>
+                </a:solidFill>
                 <a:latin typeface="Segoe Print" panose="02000600000000000000" pitchFamily="2" charset="0"/>
               </a:rPr>
               <a:t>Libraries</a:t>
@@ -10651,6 +10544,128 @@
     <p:extLst>
       <p:ext uri="{BB962C8B-B14F-4D97-AF65-F5344CB8AC3E}">
         <p14:creationId xmlns:p14="http://schemas.microsoft.com/office/powerpoint/2010/main" val="666823070"/>
+      </p:ext>
+    </p:extLst>
+  </p:cSld>
+  <p:clrMapOvr>
+    <a:masterClrMapping/>
+  </p:clrMapOvr>
+</p:sld>
+</file>
+
+<file path=ppt/slides/slide7.xml><?xml version="1.0" encoding="utf-8"?>
+<p:sld xmlns:a="http://schemas.openxmlformats.org/drawingml/2006/main" xmlns:r="http://schemas.openxmlformats.org/officeDocument/2006/relationships" xmlns:p="http://schemas.openxmlformats.org/presentationml/2006/main">
+  <p:cSld>
+    <p:spTree>
+      <p:nvGrpSpPr>
+        <p:cNvPr id="1" name=""/>
+        <p:cNvGrpSpPr/>
+        <p:nvPr/>
+      </p:nvGrpSpPr>
+      <p:grpSpPr>
+        <a:xfrm>
+          <a:off x="0" y="0"/>
+          <a:ext cx="0" cy="0"/>
+          <a:chOff x="0" y="0"/>
+          <a:chExt cx="0" cy="0"/>
+        </a:xfrm>
+      </p:grpSpPr>
+      <p:pic>
+        <p:nvPicPr>
+          <p:cNvPr id="3" name="Picture 2">
+            <a:extLst>
+              <a:ext uri="{FF2B5EF4-FFF2-40B4-BE49-F238E27FC236}">
+                <a16:creationId xmlns:a16="http://schemas.microsoft.com/office/drawing/2014/main" id="{ABF8717C-749B-4A79-9F2D-16EBFA014EF8}"/>
+              </a:ext>
+            </a:extLst>
+          </p:cNvPr>
+          <p:cNvPicPr>
+            <a:picLocks noChangeAspect="1"/>
+          </p:cNvPicPr>
+          <p:nvPr/>
+        </p:nvPicPr>
+        <p:blipFill>
+          <a:blip r:embed="rId2">
+            <a:extLst>
+              <a:ext uri="{28A0092B-C50C-407E-A947-70E740481C1C}">
+                <a14:useLocalDpi xmlns:a14="http://schemas.microsoft.com/office/drawing/2010/main" val="0"/>
+              </a:ext>
+            </a:extLst>
+          </a:blip>
+          <a:stretch>
+            <a:fillRect/>
+          </a:stretch>
+        </p:blipFill>
+        <p:spPr>
+          <a:xfrm>
+            <a:off x="1069733" y="583551"/>
+            <a:ext cx="9882852" cy="5690897"/>
+          </a:xfrm>
+          <a:prstGeom prst="rect">
+            <a:avLst/>
+          </a:prstGeom>
+        </p:spPr>
+      </p:pic>
+      <p:sp>
+        <p:nvSpPr>
+          <p:cNvPr id="4" name="TextBox 3">
+            <a:extLst>
+              <a:ext uri="{FF2B5EF4-FFF2-40B4-BE49-F238E27FC236}">
+                <a16:creationId xmlns:a16="http://schemas.microsoft.com/office/drawing/2014/main" id="{D422B418-AA93-4F95-ADFD-FF0FF70CCB78}"/>
+              </a:ext>
+            </a:extLst>
+          </p:cNvPr>
+          <p:cNvSpPr txBox="1"/>
+          <p:nvPr/>
+        </p:nvSpPr>
+        <p:spPr>
+          <a:xfrm>
+            <a:off x="299301" y="182979"/>
+            <a:ext cx="6103854" cy="707886"/>
+          </a:xfrm>
+          <a:prstGeom prst="rect">
+            <a:avLst/>
+          </a:prstGeom>
+          <a:noFill/>
+        </p:spPr>
+        <p:txBody>
+          <a:bodyPr wrap="square">
+            <a:spAutoFit/>
+          </a:bodyPr>
+          <a:lstStyle>
+            <a:defPPr>
+              <a:defRPr lang="en-US"/>
+            </a:defPPr>
+            <a:lvl1pPr>
+              <a:defRPr sz="4000" b="0" i="0">
+                <a:solidFill>
+                  <a:srgbClr val="5F6368"/>
+                </a:solidFill>
+                <a:effectLst/>
+                <a:latin typeface="Cambria" panose="02040503050406030204" pitchFamily="18" charset="0"/>
+                <a:ea typeface="Cambria" panose="02040503050406030204" pitchFamily="18" charset="0"/>
+              </a:defRPr>
+            </a:lvl1pPr>
+          </a:lstStyle>
+          <a:p>
+            <a:r>
+              <a:rPr lang="en-US" dirty="0">
+                <a:solidFill>
+                  <a:schemeClr val="accent2">
+                    <a:lumMod val="75000"/>
+                  </a:schemeClr>
+                </a:solidFill>
+                <a:latin typeface="Segoe Print" panose="02000600000000000000" pitchFamily="2" charset="0"/>
+              </a:rPr>
+              <a:t>Decision Tree</a:t>
+            </a:r>
+          </a:p>
+        </p:txBody>
+      </p:sp>
+    </p:spTree>
+    <p:extLst>
+      <p:ext uri="{BB962C8B-B14F-4D97-AF65-F5344CB8AC3E}">
+        <p14:creationId xmlns:p14="http://schemas.microsoft.com/office/powerpoint/2010/main" val="1096267395"/>
       </p:ext>
     </p:extLst>
   </p:cSld>
@@ -10757,6 +10772,11 @@
           <a:p>
             <a:r>
               <a:rPr lang="en-US" dirty="0">
+                <a:solidFill>
+                  <a:schemeClr val="accent2">
+                    <a:lumMod val="75000"/>
+                  </a:schemeClr>
+                </a:solidFill>
                 <a:latin typeface="Segoe Print" panose="02000600000000000000" pitchFamily="2" charset="0"/>
               </a:rPr>
               <a:t>Decision Tree</a:t>
@@ -11122,6 +11142,11 @@
           <a:p>
             <a:r>
               <a:rPr lang="en-US" dirty="0">
+                <a:solidFill>
+                  <a:schemeClr val="accent2">
+                    <a:lumMod val="75000"/>
+                  </a:schemeClr>
+                </a:solidFill>
                 <a:latin typeface="Segoe Print" panose="02000600000000000000" pitchFamily="2" charset="0"/>
               </a:rPr>
               <a:t>Decision Tree</a:t>
